--- a/ASP.NET_Core.pptx
+++ b/ASP.NET_Core.pptx
@@ -5,15 +5,18 @@
     <p:sldMasterId id="2147483648" r:id="rId4"/>
   </p:sldMasterIdLst>
   <p:notesMasterIdLst>
-    <p:notesMasterId r:id="rId8"/>
+    <p:notesMasterId r:id="rId11"/>
   </p:notesMasterIdLst>
   <p:handoutMasterIdLst>
-    <p:handoutMasterId r:id="rId9"/>
+    <p:handoutMasterId r:id="rId12"/>
   </p:handoutMasterIdLst>
   <p:sldIdLst>
     <p:sldId id="270" r:id="rId5"/>
     <p:sldId id="266" r:id="rId6"/>
-    <p:sldId id="267" r:id="rId7"/>
+    <p:sldId id="271" r:id="rId7"/>
+    <p:sldId id="273" r:id="rId8"/>
+    <p:sldId id="272" r:id="rId9"/>
+    <p:sldId id="267" r:id="rId10"/>
   </p:sldIdLst>
   <p:sldSz cx="12187238" cy="6859588"/>
   <p:notesSz cx="6858000" cy="9144000"/>
@@ -12087,8 +12090,8 @@
         </p:nvSpPr>
         <p:spPr>
           <a:xfrm>
-            <a:off x="625219" y="304801"/>
-            <a:ext cx="9128381" cy="2638096"/>
+            <a:off x="313667" y="451946"/>
+            <a:ext cx="7982754" cy="3005958"/>
           </a:xfrm>
         </p:spPr>
         <p:txBody>
@@ -12096,14 +12099,30 @@
           <a:lstStyle/>
           <a:p>
             <a:r>
-              <a:rPr lang="pl-PL" dirty="0">
-                <a:hlinkClick r:id="rId2"/>
-              </a:rPr>
-              <a:t>rafal.wasniewski@acceture.com</a:t>
+              <a:rPr lang="pl-PL" dirty="0"/>
+              <a:t>15. Dodajemy dane do bazy</a:t>
             </a:r>
             <a:br>
               <a:rPr lang="pl-PL" dirty="0"/>
             </a:br>
+            <a:r>
+              <a:rPr lang="pl-PL" dirty="0"/>
+              <a:t>16. Caching</a:t>
+            </a:r>
+            <a:br>
+              <a:rPr lang="pl-PL" dirty="0"/>
+            </a:br>
+            <a:r>
+              <a:rPr lang="pl-PL" dirty="0"/>
+              <a:t>17. Caching fix</a:t>
+            </a:r>
+            <a:br>
+              <a:rPr lang="pl-PL" dirty="0"/>
+            </a:br>
+            <a:r>
+              <a:rPr lang="pl-PL" dirty="0"/>
+              <a:t>18. Unit testing</a:t>
+            </a:r>
             <a:endParaRPr lang="en-AU" dirty="0"/>
           </a:p>
         </p:txBody>
@@ -12127,6 +12146,441 @@
               <a:rPr lang="en-US" smtClean="0"/>
               <a:pPr/>
               <a:t>3</a:t>
+            </a:fld>
+            <a:endParaRPr lang="en-US" dirty="0"/>
+          </a:p>
+        </p:txBody>
+      </p:sp>
+      <p:sp>
+        <p:nvSpPr>
+          <p:cNvPr id="3" name="Footer Placeholder 2"/>
+          <p:cNvSpPr>
+            <a:spLocks noGrp="1"/>
+          </p:cNvSpPr>
+          <p:nvPr>
+            <p:ph type="ftr" sz="quarter" idx="10"/>
+          </p:nvPr>
+        </p:nvSpPr>
+        <p:spPr/>
+        <p:txBody>
+          <a:bodyPr/>
+          <a:lstStyle/>
+          <a:p>
+            <a:r>
+              <a:rPr lang="en-AU" dirty="0"/>
+              <a:t>Copyright © 201</a:t>
+            </a:r>
+            <a:r>
+              <a:rPr lang="pl-PL" dirty="0"/>
+              <a:t>6</a:t>
+            </a:r>
+            <a:r>
+              <a:rPr lang="en-AU" dirty="0"/>
+              <a:t> Accenture  All rights reserved.</a:t>
+            </a:r>
+          </a:p>
+        </p:txBody>
+      </p:sp>
+    </p:spTree>
+    <p:extLst>
+      <p:ext uri="{BB962C8B-B14F-4D97-AF65-F5344CB8AC3E}">
+        <p14:creationId xmlns:p14="http://schemas.microsoft.com/office/powerpoint/2010/main" val="1905041340"/>
+      </p:ext>
+    </p:extLst>
+  </p:cSld>
+  <p:clrMapOvr>
+    <a:masterClrMapping/>
+  </p:clrMapOvr>
+</p:sld>
+</file>
+
+<file path=ppt/slides/slide4.xml><?xml version="1.0" encoding="utf-8"?>
+<p:sld xmlns:a="http://schemas.openxmlformats.org/drawingml/2006/main" xmlns:r="http://schemas.openxmlformats.org/officeDocument/2006/relationships" xmlns:p="http://schemas.openxmlformats.org/presentationml/2006/main">
+  <p:cSld>
+    <p:spTree>
+      <p:nvGrpSpPr>
+        <p:cNvPr id="1" name=""/>
+        <p:cNvGrpSpPr/>
+        <p:nvPr/>
+      </p:nvGrpSpPr>
+      <p:grpSpPr>
+        <a:xfrm>
+          <a:off x="0" y="0"/>
+          <a:ext cx="0" cy="0"/>
+          <a:chOff x="0" y="0"/>
+          <a:chExt cx="0" cy="0"/>
+        </a:xfrm>
+      </p:grpSpPr>
+      <p:sp>
+        <p:nvSpPr>
+          <p:cNvPr id="4" name="Title 3"/>
+          <p:cNvSpPr>
+            <a:spLocks noGrp="1"/>
+          </p:cNvSpPr>
+          <p:nvPr>
+            <p:ph type="ctrTitle"/>
+          </p:nvPr>
+        </p:nvSpPr>
+        <p:spPr>
+          <a:xfrm>
+            <a:off x="393991" y="210207"/>
+            <a:ext cx="7982754" cy="6201103"/>
+          </a:xfrm>
+        </p:spPr>
+        <p:txBody>
+          <a:bodyPr/>
+          <a:lstStyle/>
+          <a:p>
+            <a:r>
+              <a:rPr lang="pl-PL" dirty="0"/>
+              <a:t>8. SqlLite – zapiszmy w bazie</a:t>
+            </a:r>
+            <a:br>
+              <a:rPr lang="pl-PL" dirty="0"/>
+            </a:br>
+            <a:r>
+              <a:rPr lang="pl-PL" dirty="0"/>
+              <a:t>9. Entity framework – dodajemy migracę</a:t>
+            </a:r>
+            <a:br>
+              <a:rPr lang="pl-PL" dirty="0"/>
+            </a:br>
+            <a:r>
+              <a:rPr lang="pl-PL" dirty="0"/>
+              <a:t>10. Dodajemy miasta</a:t>
+            </a:r>
+            <a:br>
+              <a:rPr lang="pl-PL" dirty="0"/>
+            </a:br>
+            <a:r>
+              <a:rPr lang="pl-PL" dirty="0"/>
+              <a:t>11.  Dodajmy kontroler, widoki</a:t>
+            </a:r>
+            <a:br>
+              <a:rPr lang="pl-PL" dirty="0"/>
+            </a:br>
+            <a:r>
+              <a:rPr lang="pl-PL" dirty="0"/>
+              <a:t>12. Dodajmy miasto do ofery</a:t>
+            </a:r>
+            <a:br>
+              <a:rPr lang="pl-PL" dirty="0"/>
+            </a:br>
+            <a:r>
+              <a:rPr lang="pl-PL" dirty="0"/>
+              <a:t>13. Wyszukiwarka</a:t>
+            </a:r>
+            <a:br>
+              <a:rPr lang="pl-PL" dirty="0"/>
+            </a:br>
+            <a:r>
+              <a:rPr lang="pl-PL" dirty="0"/>
+              <a:t>14. Entity framework zmiana bazy danych </a:t>
+            </a:r>
+            <a:endParaRPr lang="en-AU" dirty="0"/>
+          </a:p>
+        </p:txBody>
+      </p:sp>
+      <p:sp>
+        <p:nvSpPr>
+          <p:cNvPr id="2" name="Slide Number Placeholder 1"/>
+          <p:cNvSpPr>
+            <a:spLocks noGrp="1"/>
+          </p:cNvSpPr>
+          <p:nvPr>
+            <p:ph type="sldNum" sz="quarter" idx="4"/>
+          </p:nvPr>
+        </p:nvSpPr>
+        <p:spPr/>
+        <p:txBody>
+          <a:bodyPr/>
+          <a:lstStyle/>
+          <a:p>
+            <a:fld id="{90CBDC3A-D49F-4631-A8C7-55D59B33E5FA}" type="slidenum">
+              <a:rPr lang="en-US" smtClean="0"/>
+              <a:pPr/>
+              <a:t>4</a:t>
+            </a:fld>
+            <a:endParaRPr lang="en-US" dirty="0"/>
+          </a:p>
+        </p:txBody>
+      </p:sp>
+      <p:sp>
+        <p:nvSpPr>
+          <p:cNvPr id="3" name="Footer Placeholder 2"/>
+          <p:cNvSpPr>
+            <a:spLocks noGrp="1"/>
+          </p:cNvSpPr>
+          <p:nvPr>
+            <p:ph type="ftr" sz="quarter" idx="10"/>
+          </p:nvPr>
+        </p:nvSpPr>
+        <p:spPr/>
+        <p:txBody>
+          <a:bodyPr/>
+          <a:lstStyle/>
+          <a:p>
+            <a:r>
+              <a:rPr lang="en-AU" dirty="0"/>
+              <a:t>Copyright © 201</a:t>
+            </a:r>
+            <a:r>
+              <a:rPr lang="pl-PL" dirty="0"/>
+              <a:t>6</a:t>
+            </a:r>
+            <a:r>
+              <a:rPr lang="en-AU" dirty="0"/>
+              <a:t> Accenture  All rights reserved.</a:t>
+            </a:r>
+          </a:p>
+        </p:txBody>
+      </p:sp>
+    </p:spTree>
+    <p:extLst>
+      <p:ext uri="{BB962C8B-B14F-4D97-AF65-F5344CB8AC3E}">
+        <p14:creationId xmlns:p14="http://schemas.microsoft.com/office/powerpoint/2010/main" val="52011627"/>
+      </p:ext>
+    </p:extLst>
+  </p:cSld>
+  <p:clrMapOvr>
+    <a:masterClrMapping/>
+  </p:clrMapOvr>
+</p:sld>
+</file>
+
+<file path=ppt/slides/slide5.xml><?xml version="1.0" encoding="utf-8"?>
+<p:sld xmlns:a="http://schemas.openxmlformats.org/drawingml/2006/main" xmlns:r="http://schemas.openxmlformats.org/officeDocument/2006/relationships" xmlns:p="http://schemas.openxmlformats.org/presentationml/2006/main">
+  <p:cSld>
+    <p:spTree>
+      <p:nvGrpSpPr>
+        <p:cNvPr id="1" name=""/>
+        <p:cNvGrpSpPr/>
+        <p:nvPr/>
+      </p:nvGrpSpPr>
+      <p:grpSpPr>
+        <a:xfrm>
+          <a:off x="0" y="0"/>
+          <a:ext cx="0" cy="0"/>
+          <a:chOff x="0" y="0"/>
+          <a:chExt cx="0" cy="0"/>
+        </a:xfrm>
+      </p:grpSpPr>
+      <p:sp>
+        <p:nvSpPr>
+          <p:cNvPr id="4" name="Title 3"/>
+          <p:cNvSpPr>
+            <a:spLocks noGrp="1"/>
+          </p:cNvSpPr>
+          <p:nvPr>
+            <p:ph type="ctrTitle"/>
+          </p:nvPr>
+        </p:nvSpPr>
+        <p:spPr>
+          <a:xfrm>
+            <a:off x="393991" y="210207"/>
+            <a:ext cx="7982754" cy="6201103"/>
+          </a:xfrm>
+        </p:spPr>
+        <p:txBody>
+          <a:bodyPr/>
+          <a:lstStyle/>
+          <a:p>
+            <a:r>
+              <a:rPr lang="pl-PL" dirty="0"/>
+              <a:t>Kroki:</a:t>
+            </a:r>
+            <a:br>
+              <a:rPr lang="pl-PL" dirty="0"/>
+            </a:br>
+            <a:r>
+              <a:rPr lang="pl-PL" dirty="0"/>
+              <a:t>1. Nowy projekt ASP.NET Core</a:t>
+            </a:r>
+            <a:br>
+              <a:rPr lang="pl-PL" dirty="0"/>
+            </a:br>
+            <a:r>
+              <a:rPr lang="pl-PL" dirty="0"/>
+              <a:t>2. Czyścimy śmieci</a:t>
+            </a:r>
+            <a:br>
+              <a:rPr lang="pl-PL" dirty="0"/>
+            </a:br>
+            <a:r>
+              <a:rPr lang="pl-PL" dirty="0"/>
+              <a:t>3. MVC – wysyłamy do widoku</a:t>
+            </a:r>
+            <a:br>
+              <a:rPr lang="pl-PL" dirty="0"/>
+            </a:br>
+            <a:r>
+              <a:rPr lang="pl-PL" dirty="0"/>
+              <a:t>4. Dodaj model</a:t>
+            </a:r>
+            <a:br>
+              <a:rPr lang="pl-PL" dirty="0"/>
+            </a:br>
+            <a:r>
+              <a:rPr lang="pl-PL" dirty="0"/>
+              <a:t>5. Robimy widok dla modelu</a:t>
+            </a:r>
+            <a:br>
+              <a:rPr lang="pl-PL" dirty="0"/>
+            </a:br>
+            <a:r>
+              <a:rPr lang="pl-PL" dirty="0"/>
+              <a:t>6. IoC </a:t>
+            </a:r>
+            <a:br>
+              <a:rPr lang="pl-PL" dirty="0"/>
+            </a:br>
+            <a:r>
+              <a:rPr lang="pl-PL" dirty="0"/>
+              <a:t>7. Dodaj możliwość dodawania ofert</a:t>
+            </a:r>
+            <a:br>
+              <a:rPr lang="pl-PL" dirty="0"/>
+            </a:br>
+            <a:endParaRPr lang="en-AU" dirty="0"/>
+          </a:p>
+        </p:txBody>
+      </p:sp>
+      <p:sp>
+        <p:nvSpPr>
+          <p:cNvPr id="2" name="Slide Number Placeholder 1"/>
+          <p:cNvSpPr>
+            <a:spLocks noGrp="1"/>
+          </p:cNvSpPr>
+          <p:nvPr>
+            <p:ph type="sldNum" sz="quarter" idx="4"/>
+          </p:nvPr>
+        </p:nvSpPr>
+        <p:spPr/>
+        <p:txBody>
+          <a:bodyPr/>
+          <a:lstStyle/>
+          <a:p>
+            <a:fld id="{90CBDC3A-D49F-4631-A8C7-55D59B33E5FA}" type="slidenum">
+              <a:rPr lang="en-US" smtClean="0"/>
+              <a:pPr/>
+              <a:t>5</a:t>
+            </a:fld>
+            <a:endParaRPr lang="en-US" dirty="0"/>
+          </a:p>
+        </p:txBody>
+      </p:sp>
+      <p:sp>
+        <p:nvSpPr>
+          <p:cNvPr id="3" name="Footer Placeholder 2"/>
+          <p:cNvSpPr>
+            <a:spLocks noGrp="1"/>
+          </p:cNvSpPr>
+          <p:nvPr>
+            <p:ph type="ftr" sz="quarter" idx="10"/>
+          </p:nvPr>
+        </p:nvSpPr>
+        <p:spPr/>
+        <p:txBody>
+          <a:bodyPr/>
+          <a:lstStyle/>
+          <a:p>
+            <a:r>
+              <a:rPr lang="en-AU" dirty="0"/>
+              <a:t>Copyright © 201</a:t>
+            </a:r>
+            <a:r>
+              <a:rPr lang="pl-PL" dirty="0"/>
+              <a:t>6</a:t>
+            </a:r>
+            <a:r>
+              <a:rPr lang="en-AU" dirty="0"/>
+              <a:t> Accenture  All rights reserved.</a:t>
+            </a:r>
+          </a:p>
+        </p:txBody>
+      </p:sp>
+    </p:spTree>
+    <p:extLst>
+      <p:ext uri="{BB962C8B-B14F-4D97-AF65-F5344CB8AC3E}">
+        <p14:creationId xmlns:p14="http://schemas.microsoft.com/office/powerpoint/2010/main" val="2003921869"/>
+      </p:ext>
+    </p:extLst>
+  </p:cSld>
+  <p:clrMapOvr>
+    <a:masterClrMapping/>
+  </p:clrMapOvr>
+</p:sld>
+</file>
+
+<file path=ppt/slides/slide6.xml><?xml version="1.0" encoding="utf-8"?>
+<p:sld xmlns:a="http://schemas.openxmlformats.org/drawingml/2006/main" xmlns:r="http://schemas.openxmlformats.org/officeDocument/2006/relationships" xmlns:p="http://schemas.openxmlformats.org/presentationml/2006/main">
+  <p:cSld>
+    <p:spTree>
+      <p:nvGrpSpPr>
+        <p:cNvPr id="1" name=""/>
+        <p:cNvGrpSpPr/>
+        <p:nvPr/>
+      </p:nvGrpSpPr>
+      <p:grpSpPr>
+        <a:xfrm>
+          <a:off x="0" y="0"/>
+          <a:ext cx="0" cy="0"/>
+          <a:chOff x="0" y="0"/>
+          <a:chExt cx="0" cy="0"/>
+        </a:xfrm>
+      </p:grpSpPr>
+      <p:sp>
+        <p:nvSpPr>
+          <p:cNvPr id="4" name="Title 3"/>
+          <p:cNvSpPr>
+            <a:spLocks noGrp="1"/>
+          </p:cNvSpPr>
+          <p:nvPr>
+            <p:ph type="ctrTitle"/>
+          </p:nvPr>
+        </p:nvSpPr>
+        <p:spPr>
+          <a:xfrm>
+            <a:off x="625219" y="304801"/>
+            <a:ext cx="9128381" cy="2638096"/>
+          </a:xfrm>
+        </p:spPr>
+        <p:txBody>
+          <a:bodyPr/>
+          <a:lstStyle/>
+          <a:p>
+            <a:r>
+              <a:rPr lang="pl-PL" dirty="0">
+                <a:hlinkClick r:id="rId2"/>
+              </a:rPr>
+              <a:t>rafal.wasniewski@acceture.com</a:t>
+            </a:r>
+            <a:br>
+              <a:rPr lang="pl-PL" dirty="0"/>
+            </a:br>
+            <a:endParaRPr lang="en-AU" dirty="0"/>
+          </a:p>
+        </p:txBody>
+      </p:sp>
+      <p:sp>
+        <p:nvSpPr>
+          <p:cNvPr id="2" name="Slide Number Placeholder 1"/>
+          <p:cNvSpPr>
+            <a:spLocks noGrp="1"/>
+          </p:cNvSpPr>
+          <p:nvPr>
+            <p:ph type="sldNum" sz="quarter" idx="4"/>
+          </p:nvPr>
+        </p:nvSpPr>
+        <p:spPr/>
+        <p:txBody>
+          <a:bodyPr/>
+          <a:lstStyle/>
+          <a:p>
+            <a:fld id="{90CBDC3A-D49F-4631-A8C7-55D59B33E5FA}" type="slidenum">
+              <a:rPr lang="en-US" smtClean="0"/>
+              <a:pPr/>
+              <a:t>6</a:t>
             </a:fld>
             <a:endParaRPr lang="en-US" dirty="0"/>
           </a:p>
@@ -13072,6 +13526,24 @@
 </file>
 
 <file path=customXml/item1.xml><?xml version="1.0" encoding="utf-8"?>
+<p:properties xmlns:p="http://schemas.microsoft.com/office/2006/metadata/properties" xmlns:xsi="http://www.w3.org/2001/XMLSchema-instance">
+  <documentManagement>
+    <PublishingExpirationDate xmlns="http://schemas.microsoft.com/sharepoint/v3" xsi:nil="true"/>
+    <PublishingStartDate xmlns="http://schemas.microsoft.com/sharepoint/v3" xsi:nil="true"/>
+  </documentManagement>
+</p:properties>
+</file>
+
+<file path=customXml/item2.xml><?xml version="1.0" encoding="utf-8"?>
+<?mso-contentType ?>
+<FormTemplates xmlns="http://schemas.microsoft.com/sharepoint/v3/contenttype/forms">
+  <Display>DocumentLibraryForm</Display>
+  <Edit>DocumentLibraryForm</Edit>
+  <New>DocumentLibraryForm</New>
+</FormTemplates>
+</file>
+
+<file path=customXml/item3.xml><?xml version="1.0" encoding="utf-8"?>
 <ct:contentTypeSchema xmlns:ct="http://schemas.microsoft.com/office/2006/metadata/contentType" xmlns:ma="http://schemas.microsoft.com/office/2006/metadata/properties/metaAttributes" ct:_="" ma:_="" ma:contentTypeName="Document" ma:contentTypeID="0x01010078A9B5747944CC4D8607E9DE58FFA23B" ma:contentTypeVersion="1" ma:contentTypeDescription="Create a new document." ma:contentTypeScope="" ma:versionID="7fbd1a4868fa7932fa3fbc1fc7cb0fb3">
   <xsd:schema xmlns:xsd="http://www.w3.org/2001/XMLSchema" xmlns:xs="http://www.w3.org/2001/XMLSchema" xmlns:p="http://schemas.microsoft.com/office/2006/metadata/properties" xmlns:ns1="http://schemas.microsoft.com/sharepoint/v3" targetNamespace="http://schemas.microsoft.com/office/2006/metadata/properties" ma:root="true" ma:fieldsID="a447206dab0015f8b9f8924535193e8c" ns1:_="">
     <xsd:import namespace="http://schemas.microsoft.com/sharepoint/v3"/>
@@ -13203,25 +13675,24 @@
 </ct:contentTypeSchema>
 </file>
 
-<file path=customXml/item2.xml><?xml version="1.0" encoding="utf-8"?>
-<?mso-contentType ?>
-<FormTemplates xmlns="http://schemas.microsoft.com/sharepoint/v3/contenttype/forms">
-  <Display>DocumentLibraryForm</Display>
-  <Edit>DocumentLibraryForm</Edit>
-  <New>DocumentLibraryForm</New>
-</FormTemplates>
+<file path=customXml/itemProps1.xml><?xml version="1.0" encoding="utf-8"?>
+<ds:datastoreItem xmlns:ds="http://schemas.openxmlformats.org/officeDocument/2006/customXml" ds:itemID="{F2F8FF39-A5D2-4C20-89CA-E0BB61C09927}">
+  <ds:schemaRefs>
+    <ds:schemaRef ds:uri="http://schemas.microsoft.com/office/2006/metadata/properties"/>
+    <ds:schemaRef ds:uri="http://schemas.microsoft.com/sharepoint/v3"/>
+  </ds:schemaRefs>
+</ds:datastoreItem>
 </file>
 
-<file path=customXml/item3.xml><?xml version="1.0" encoding="utf-8"?>
-<p:properties xmlns:p="http://schemas.microsoft.com/office/2006/metadata/properties" xmlns:xsi="http://www.w3.org/2001/XMLSchema-instance">
-  <documentManagement>
-    <PublishingExpirationDate xmlns="http://schemas.microsoft.com/sharepoint/v3" xsi:nil="true"/>
-    <PublishingStartDate xmlns="http://schemas.microsoft.com/sharepoint/v3" xsi:nil="true"/>
-  </documentManagement>
-</p:properties>
+<file path=customXml/itemProps2.xml><?xml version="1.0" encoding="utf-8"?>
+<ds:datastoreItem xmlns:ds="http://schemas.openxmlformats.org/officeDocument/2006/customXml" ds:itemID="{9FB9E9F0-A80E-4BC0-BC10-BBDB06BF5FEE}">
+  <ds:schemaRefs>
+    <ds:schemaRef ds:uri="http://schemas.microsoft.com/sharepoint/v3/contenttype/forms"/>
+  </ds:schemaRefs>
+</ds:datastoreItem>
 </file>
 
-<file path=customXml/itemProps1.xml><?xml version="1.0" encoding="utf-8"?>
+<file path=customXml/itemProps3.xml><?xml version="1.0" encoding="utf-8"?>
 <ds:datastoreItem xmlns:ds="http://schemas.openxmlformats.org/officeDocument/2006/customXml" ds:itemID="{BE5D934F-07E5-4C99-A167-AEA63FB93A87}">
   <ds:schemaRefs>
     <ds:schemaRef ds:uri="http://schemas.microsoft.com/office/2006/metadata/contentType"/>
@@ -13237,21 +13708,4 @@
     <ds:schemaRef ds:uri="http://schemas.microsoft.com/internal/obd"/>
   </ds:schemaRefs>
 </ds:datastoreItem>
-</file>
-
-<file path=customXml/itemProps2.xml><?xml version="1.0" encoding="utf-8"?>
-<ds:datastoreItem xmlns:ds="http://schemas.openxmlformats.org/officeDocument/2006/customXml" ds:itemID="{9FB9E9F0-A80E-4BC0-BC10-BBDB06BF5FEE}">
-  <ds:schemaRefs>
-    <ds:schemaRef ds:uri="http://schemas.microsoft.com/sharepoint/v3/contenttype/forms"/>
-  </ds:schemaRefs>
-</ds:datastoreItem>
-</file>
-
-<file path=customXml/itemProps3.xml><?xml version="1.0" encoding="utf-8"?>
-<ds:datastoreItem xmlns:ds="http://schemas.openxmlformats.org/officeDocument/2006/customXml" ds:itemID="{F2F8FF39-A5D2-4C20-89CA-E0BB61C09927}">
-  <ds:schemaRefs>
-    <ds:schemaRef ds:uri="http://schemas.microsoft.com/office/2006/metadata/properties"/>
-    <ds:schemaRef ds:uri="http://schemas.microsoft.com/sharepoint/v3"/>
-  </ds:schemaRefs>
-</ds:datastoreItem>
 </file>